--- a/WBS.pptx
+++ b/WBS.pptx
@@ -243,7 +243,7 @@
           <a:p>
             <a:fld id="{B37D803B-B8FD-4B91-8DFD-2B3E27B84464}" type="datetimeFigureOut">
               <a:rPr kumimoji="1" lang="ja-JP" altLang="en-US" smtClean="0"/>
-              <a:t>2017/5/17</a:t>
+              <a:t>2017/5/23</a:t>
             </a:fld>
             <a:endParaRPr kumimoji="1" lang="ja-JP" altLang="en-US"/>
           </a:p>
@@ -445,7 +445,7 @@
           <a:p>
             <a:fld id="{B37D803B-B8FD-4B91-8DFD-2B3E27B84464}" type="datetimeFigureOut">
               <a:rPr kumimoji="1" lang="ja-JP" altLang="en-US" smtClean="0"/>
-              <a:t>2017/5/17</a:t>
+              <a:t>2017/5/23</a:t>
             </a:fld>
             <a:endParaRPr kumimoji="1" lang="ja-JP" altLang="en-US"/>
           </a:p>
@@ -657,7 +657,7 @@
           <a:p>
             <a:fld id="{B37D803B-B8FD-4B91-8DFD-2B3E27B84464}" type="datetimeFigureOut">
               <a:rPr kumimoji="1" lang="ja-JP" altLang="en-US" smtClean="0"/>
-              <a:t>2017/5/17</a:t>
+              <a:t>2017/5/23</a:t>
             </a:fld>
             <a:endParaRPr kumimoji="1" lang="ja-JP" altLang="en-US"/>
           </a:p>
@@ -859,7 +859,7 @@
           <a:p>
             <a:fld id="{B37D803B-B8FD-4B91-8DFD-2B3E27B84464}" type="datetimeFigureOut">
               <a:rPr kumimoji="1" lang="ja-JP" altLang="en-US" smtClean="0"/>
-              <a:t>2017/5/17</a:t>
+              <a:t>2017/5/23</a:t>
             </a:fld>
             <a:endParaRPr kumimoji="1" lang="ja-JP" altLang="en-US"/>
           </a:p>
@@ -1105,7 +1105,7 @@
           <a:p>
             <a:fld id="{B37D803B-B8FD-4B91-8DFD-2B3E27B84464}" type="datetimeFigureOut">
               <a:rPr kumimoji="1" lang="ja-JP" altLang="en-US" smtClean="0"/>
-              <a:t>2017/5/17</a:t>
+              <a:t>2017/5/23</a:t>
             </a:fld>
             <a:endParaRPr kumimoji="1" lang="ja-JP" altLang="en-US"/>
           </a:p>
@@ -1401,7 +1401,7 @@
           <a:p>
             <a:fld id="{B37D803B-B8FD-4B91-8DFD-2B3E27B84464}" type="datetimeFigureOut">
               <a:rPr kumimoji="1" lang="ja-JP" altLang="en-US" smtClean="0"/>
-              <a:t>2017/5/17</a:t>
+              <a:t>2017/5/23</a:t>
             </a:fld>
             <a:endParaRPr kumimoji="1" lang="ja-JP" altLang="en-US"/>
           </a:p>
@@ -1832,7 +1832,7 @@
           <a:p>
             <a:fld id="{B37D803B-B8FD-4B91-8DFD-2B3E27B84464}" type="datetimeFigureOut">
               <a:rPr kumimoji="1" lang="ja-JP" altLang="en-US" smtClean="0"/>
-              <a:t>2017/5/17</a:t>
+              <a:t>2017/5/23</a:t>
             </a:fld>
             <a:endParaRPr kumimoji="1" lang="ja-JP" altLang="en-US"/>
           </a:p>
@@ -1950,7 +1950,7 @@
           <a:p>
             <a:fld id="{B37D803B-B8FD-4B91-8DFD-2B3E27B84464}" type="datetimeFigureOut">
               <a:rPr kumimoji="1" lang="ja-JP" altLang="en-US" smtClean="0"/>
-              <a:t>2017/5/17</a:t>
+              <a:t>2017/5/23</a:t>
             </a:fld>
             <a:endParaRPr kumimoji="1" lang="ja-JP" altLang="en-US"/>
           </a:p>
@@ -2045,7 +2045,7 @@
           <a:p>
             <a:fld id="{B37D803B-B8FD-4B91-8DFD-2B3E27B84464}" type="datetimeFigureOut">
               <a:rPr kumimoji="1" lang="ja-JP" altLang="en-US" smtClean="0"/>
-              <a:t>2017/5/17</a:t>
+              <a:t>2017/5/23</a:t>
             </a:fld>
             <a:endParaRPr kumimoji="1" lang="ja-JP" altLang="en-US"/>
           </a:p>
@@ -2354,7 +2354,7 @@
           <a:p>
             <a:fld id="{B37D803B-B8FD-4B91-8DFD-2B3E27B84464}" type="datetimeFigureOut">
               <a:rPr kumimoji="1" lang="ja-JP" altLang="en-US" smtClean="0"/>
-              <a:t>2017/5/17</a:t>
+              <a:t>2017/5/23</a:t>
             </a:fld>
             <a:endParaRPr kumimoji="1" lang="ja-JP" altLang="en-US"/>
           </a:p>
@@ -2607,7 +2607,7 @@
           <a:p>
             <a:fld id="{B37D803B-B8FD-4B91-8DFD-2B3E27B84464}" type="datetimeFigureOut">
               <a:rPr kumimoji="1" lang="ja-JP" altLang="en-US" smtClean="0"/>
-              <a:t>2017/5/17</a:t>
+              <a:t>2017/5/23</a:t>
             </a:fld>
             <a:endParaRPr kumimoji="1" lang="ja-JP" altLang="en-US"/>
           </a:p>
@@ -2852,7 +2852,7 @@
           <a:p>
             <a:fld id="{B37D803B-B8FD-4B91-8DFD-2B3E27B84464}" type="datetimeFigureOut">
               <a:rPr kumimoji="1" lang="ja-JP" altLang="en-US" smtClean="0"/>
-              <a:t>2017/5/17</a:t>
+              <a:t>2017/5/23</a:t>
             </a:fld>
             <a:endParaRPr kumimoji="1" lang="ja-JP" altLang="en-US"/>
           </a:p>
@@ -3319,6 +3319,17 @@
           <a:p>
             <a:pPr algn="ctr"/>
             <a:r>
+              <a:rPr lang="ja-JP" altLang="en-US" sz="1400" dirty="0" smtClean="0">
+                <a:ln w="0">
+                  <a:noFill/>
+                </a:ln>
+                <a:solidFill>
+                  <a:schemeClr val="tx1"/>
+                </a:solidFill>
+              </a:rPr>
+              <a:t>サービス</a:t>
+            </a:r>
+            <a:r>
               <a:rPr lang="ja-JP" altLang="en-US" sz="1400" dirty="0">
                 <a:ln w="0">
                   <a:noFill/>
@@ -3327,7 +3338,7 @@
                   <a:schemeClr val="tx1"/>
                 </a:solidFill>
               </a:rPr>
-              <a:t>サービス</a:t>
+              <a:t>開発</a:t>
             </a:r>
             <a:endParaRPr kumimoji="1" lang="ja-JP" altLang="en-US" sz="1400" dirty="0">
               <a:ln w="0">
@@ -3922,13 +3933,8 @@
             </a:r>
             <a:r>
               <a:rPr kumimoji="1" lang="en-US" altLang="ja-JP" sz="1400" dirty="0" smtClean="0"/>
-              <a:t>3.1.1 </a:t>
-            </a:r>
-            <a:r>
-              <a:rPr kumimoji="1" lang="en-US" altLang="ja-JP" sz="1400" dirty="0" smtClean="0"/>
-              <a:t>HTML CSS</a:t>
-            </a:r>
-            <a:endParaRPr kumimoji="1" lang="en-US" altLang="ja-JP" sz="1400" dirty="0" smtClean="0"/>
+              <a:t>3.1.1 HTML CSS</a:t>
+            </a:r>
           </a:p>
           <a:p>
             <a:r>
@@ -3941,21 +3947,8 @@
             </a:r>
             <a:r>
               <a:rPr lang="en-US" altLang="ja-JP" sz="1400" dirty="0" smtClean="0"/>
-              <a:t>3.1.2 </a:t>
-            </a:r>
-            <a:r>
-              <a:rPr lang="en-US" altLang="ja-JP" sz="1400" dirty="0" smtClean="0"/>
-              <a:t>PHP M</a:t>
-            </a:r>
-            <a:r>
-              <a:rPr lang="en-US" altLang="ja-JP" sz="1400" dirty="0" smtClean="0"/>
-              <a:t>y</a:t>
-            </a:r>
-            <a:r>
-              <a:rPr lang="en-US" altLang="ja-JP" sz="1400" dirty="0" smtClean="0"/>
-              <a:t>SQL</a:t>
-            </a:r>
-            <a:endParaRPr lang="en-US" altLang="ja-JP" sz="1400" dirty="0" smtClean="0"/>
+              <a:t>3.1.2 PHP MySQL</a:t>
+            </a:r>
           </a:p>
           <a:p>
             <a:r>
@@ -4007,7 +4000,11 @@
               <a:t>3.6 </a:t>
             </a:r>
             <a:r>
-              <a:rPr lang="ja-JP" altLang="en-US" sz="1400" dirty="0"/>
+              <a:rPr lang="en-US" altLang="ja-JP" sz="1400" dirty="0" smtClean="0"/>
+              <a:t>PM</a:t>
+            </a:r>
+            <a:r>
+              <a:rPr lang="ja-JP" altLang="en-US" sz="1400" dirty="0" smtClean="0"/>
               <a:t>評価</a:t>
             </a:r>
             <a:endParaRPr kumimoji="1" lang="ja-JP" altLang="en-US" sz="1400" dirty="0"/>
